--- a/Status_Outlook_Bulletin/formatos/graficas_sdi.pptx
+++ b/Status_Outlook_Bulletin/formatos/graficas_sdi.pptx
@@ -273,7 +273,7 @@
           <a:p>
             <a:fld id="{2BBFF17A-5300-461F-8E6C-E323B371593A}" type="datetimeFigureOut">
               <a:rPr lang="en-GB" smtClean="0"/>
-              <a:t>09/03/2025</a:t>
+              <a:t>02/04/2025</a:t>
             </a:fld>
             <a:endParaRPr lang="en-GB"/>
           </a:p>
@@ -473,7 +473,7 @@
           <a:p>
             <a:fld id="{2BBFF17A-5300-461F-8E6C-E323B371593A}" type="datetimeFigureOut">
               <a:rPr lang="en-GB" smtClean="0"/>
-              <a:t>09/03/2025</a:t>
+              <a:t>02/04/2025</a:t>
             </a:fld>
             <a:endParaRPr lang="en-GB"/>
           </a:p>
@@ -683,7 +683,7 @@
           <a:p>
             <a:fld id="{2BBFF17A-5300-461F-8E6C-E323B371593A}" type="datetimeFigureOut">
               <a:rPr lang="en-GB" smtClean="0"/>
-              <a:t>09/03/2025</a:t>
+              <a:t>02/04/2025</a:t>
             </a:fld>
             <a:endParaRPr lang="en-GB"/>
           </a:p>
@@ -883,7 +883,7 @@
           <a:p>
             <a:fld id="{2BBFF17A-5300-461F-8E6C-E323B371593A}" type="datetimeFigureOut">
               <a:rPr lang="en-GB" smtClean="0"/>
-              <a:t>09/03/2025</a:t>
+              <a:t>02/04/2025</a:t>
             </a:fld>
             <a:endParaRPr lang="en-GB"/>
           </a:p>
@@ -1159,7 +1159,7 @@
           <a:p>
             <a:fld id="{2BBFF17A-5300-461F-8E6C-E323B371593A}" type="datetimeFigureOut">
               <a:rPr lang="en-GB" smtClean="0"/>
-              <a:t>09/03/2025</a:t>
+              <a:t>02/04/2025</a:t>
             </a:fld>
             <a:endParaRPr lang="en-GB"/>
           </a:p>
@@ -1427,7 +1427,7 @@
           <a:p>
             <a:fld id="{2BBFF17A-5300-461F-8E6C-E323B371593A}" type="datetimeFigureOut">
               <a:rPr lang="en-GB" smtClean="0"/>
-              <a:t>09/03/2025</a:t>
+              <a:t>02/04/2025</a:t>
             </a:fld>
             <a:endParaRPr lang="en-GB"/>
           </a:p>
@@ -1842,7 +1842,7 @@
           <a:p>
             <a:fld id="{2BBFF17A-5300-461F-8E6C-E323B371593A}" type="datetimeFigureOut">
               <a:rPr lang="en-GB" smtClean="0"/>
-              <a:t>09/03/2025</a:t>
+              <a:t>02/04/2025</a:t>
             </a:fld>
             <a:endParaRPr lang="en-GB"/>
           </a:p>
@@ -1984,7 +1984,7 @@
           <a:p>
             <a:fld id="{2BBFF17A-5300-461F-8E6C-E323B371593A}" type="datetimeFigureOut">
               <a:rPr lang="en-GB" smtClean="0"/>
-              <a:t>09/03/2025</a:t>
+              <a:t>02/04/2025</a:t>
             </a:fld>
             <a:endParaRPr lang="en-GB"/>
           </a:p>
@@ -2097,7 +2097,7 @@
           <a:p>
             <a:fld id="{2BBFF17A-5300-461F-8E6C-E323B371593A}" type="datetimeFigureOut">
               <a:rPr lang="en-GB" smtClean="0"/>
-              <a:t>09/03/2025</a:t>
+              <a:t>02/04/2025</a:t>
             </a:fld>
             <a:endParaRPr lang="en-GB"/>
           </a:p>
@@ -2410,7 +2410,7 @@
           <a:p>
             <a:fld id="{2BBFF17A-5300-461F-8E6C-E323B371593A}" type="datetimeFigureOut">
               <a:rPr lang="en-GB" smtClean="0"/>
-              <a:t>09/03/2025</a:t>
+              <a:t>02/04/2025</a:t>
             </a:fld>
             <a:endParaRPr lang="en-GB"/>
           </a:p>
@@ -2699,7 +2699,7 @@
           <a:p>
             <a:fld id="{2BBFF17A-5300-461F-8E6C-E323B371593A}" type="datetimeFigureOut">
               <a:rPr lang="en-GB" smtClean="0"/>
-              <a:t>09/03/2025</a:t>
+              <a:t>02/04/2025</a:t>
             </a:fld>
             <a:endParaRPr lang="en-GB"/>
           </a:p>
@@ -2942,7 +2942,7 @@
           <a:p>
             <a:fld id="{2BBFF17A-5300-461F-8E6C-E323B371593A}" type="datetimeFigureOut">
               <a:rPr lang="en-GB" smtClean="0"/>
-              <a:t>09/03/2025</a:t>
+              <a:t>02/04/2025</a:t>
             </a:fld>
             <a:endParaRPr lang="en-GB"/>
           </a:p>
@@ -3464,8 +3464,8 @@
         </p:blipFill>
         <p:spPr>
           <a:xfrm>
-            <a:off x="69894" y="3249333"/>
-            <a:ext cx="2935224" cy="1205595"/>
+            <a:off x="69894" y="3279107"/>
+            <a:ext cx="2935224" cy="1146047"/>
           </a:xfrm>
           <a:prstGeom prst="rect">
             <a:avLst/>
@@ -4623,8 +4623,8 @@
         </p:blipFill>
         <p:spPr>
           <a:xfrm>
-            <a:off x="9221801" y="3248639"/>
-            <a:ext cx="2935224" cy="1195354"/>
+            <a:off x="9221801" y="3276165"/>
+            <a:ext cx="2935224" cy="1140302"/>
           </a:xfrm>
           <a:prstGeom prst="rect">
             <a:avLst/>
@@ -4658,8 +4658,8 @@
         </p:blipFill>
         <p:spPr>
           <a:xfrm>
-            <a:off x="9235783" y="1033379"/>
-            <a:ext cx="2935224" cy="1233314"/>
+            <a:off x="9235783" y="1077606"/>
+            <a:ext cx="2935224" cy="1144859"/>
           </a:xfrm>
           <a:prstGeom prst="rect">
             <a:avLst/>
@@ -4693,8 +4693,8 @@
         </p:blipFill>
         <p:spPr>
           <a:xfrm>
-            <a:off x="69894" y="1089418"/>
-            <a:ext cx="2933442" cy="1216859"/>
+            <a:off x="69894" y="1136029"/>
+            <a:ext cx="2933442" cy="1123637"/>
           </a:xfrm>
           <a:prstGeom prst="rect">
             <a:avLst/>
@@ -4728,8 +4728,8 @@
         </p:blipFill>
         <p:spPr>
           <a:xfrm>
-            <a:off x="9183045" y="5412201"/>
-            <a:ext cx="2935224" cy="1182851"/>
+            <a:off x="9183045" y="5440507"/>
+            <a:ext cx="2935224" cy="1126238"/>
           </a:xfrm>
           <a:prstGeom prst="rect">
             <a:avLst/>
@@ -4763,8 +4763,8 @@
         </p:blipFill>
         <p:spPr>
           <a:xfrm>
-            <a:off x="69894" y="5397629"/>
-            <a:ext cx="2935224" cy="1198116"/>
+            <a:off x="69894" y="5428579"/>
+            <a:ext cx="2935224" cy="1136215"/>
           </a:xfrm>
           <a:prstGeom prst="rect">
             <a:avLst/>

--- a/Status_Outlook_Bulletin/formatos/graficas_sdi.pptx
+++ b/Status_Outlook_Bulletin/formatos/graficas_sdi.pptx
@@ -273,7 +273,7 @@
           <a:p>
             <a:fld id="{2BBFF17A-5300-461F-8E6C-E323B371593A}" type="datetimeFigureOut">
               <a:rPr lang="en-GB" smtClean="0"/>
-              <a:t>02/04/2025</a:t>
+              <a:t>06/10/2025</a:t>
             </a:fld>
             <a:endParaRPr lang="en-GB"/>
           </a:p>
@@ -473,7 +473,7 @@
           <a:p>
             <a:fld id="{2BBFF17A-5300-461F-8E6C-E323B371593A}" type="datetimeFigureOut">
               <a:rPr lang="en-GB" smtClean="0"/>
-              <a:t>02/04/2025</a:t>
+              <a:t>06/10/2025</a:t>
             </a:fld>
             <a:endParaRPr lang="en-GB"/>
           </a:p>
@@ -683,7 +683,7 @@
           <a:p>
             <a:fld id="{2BBFF17A-5300-461F-8E6C-E323B371593A}" type="datetimeFigureOut">
               <a:rPr lang="en-GB" smtClean="0"/>
-              <a:t>02/04/2025</a:t>
+              <a:t>06/10/2025</a:t>
             </a:fld>
             <a:endParaRPr lang="en-GB"/>
           </a:p>
@@ -883,7 +883,7 @@
           <a:p>
             <a:fld id="{2BBFF17A-5300-461F-8E6C-E323B371593A}" type="datetimeFigureOut">
               <a:rPr lang="en-GB" smtClean="0"/>
-              <a:t>02/04/2025</a:t>
+              <a:t>06/10/2025</a:t>
             </a:fld>
             <a:endParaRPr lang="en-GB"/>
           </a:p>
@@ -1159,7 +1159,7 @@
           <a:p>
             <a:fld id="{2BBFF17A-5300-461F-8E6C-E323B371593A}" type="datetimeFigureOut">
               <a:rPr lang="en-GB" smtClean="0"/>
-              <a:t>02/04/2025</a:t>
+              <a:t>06/10/2025</a:t>
             </a:fld>
             <a:endParaRPr lang="en-GB"/>
           </a:p>
@@ -1427,7 +1427,7 @@
           <a:p>
             <a:fld id="{2BBFF17A-5300-461F-8E6C-E323B371593A}" type="datetimeFigureOut">
               <a:rPr lang="en-GB" smtClean="0"/>
-              <a:t>02/04/2025</a:t>
+              <a:t>06/10/2025</a:t>
             </a:fld>
             <a:endParaRPr lang="en-GB"/>
           </a:p>
@@ -1842,7 +1842,7 @@
           <a:p>
             <a:fld id="{2BBFF17A-5300-461F-8E6C-E323B371593A}" type="datetimeFigureOut">
               <a:rPr lang="en-GB" smtClean="0"/>
-              <a:t>02/04/2025</a:t>
+              <a:t>06/10/2025</a:t>
             </a:fld>
             <a:endParaRPr lang="en-GB"/>
           </a:p>
@@ -1984,7 +1984,7 @@
           <a:p>
             <a:fld id="{2BBFF17A-5300-461F-8E6C-E323B371593A}" type="datetimeFigureOut">
               <a:rPr lang="en-GB" smtClean="0"/>
-              <a:t>02/04/2025</a:t>
+              <a:t>06/10/2025</a:t>
             </a:fld>
             <a:endParaRPr lang="en-GB"/>
           </a:p>
@@ -2097,7 +2097,7 @@
           <a:p>
             <a:fld id="{2BBFF17A-5300-461F-8E6C-E323B371593A}" type="datetimeFigureOut">
               <a:rPr lang="en-GB" smtClean="0"/>
-              <a:t>02/04/2025</a:t>
+              <a:t>06/10/2025</a:t>
             </a:fld>
             <a:endParaRPr lang="en-GB"/>
           </a:p>
@@ -2410,7 +2410,7 @@
           <a:p>
             <a:fld id="{2BBFF17A-5300-461F-8E6C-E323B371593A}" type="datetimeFigureOut">
               <a:rPr lang="en-GB" smtClean="0"/>
-              <a:t>02/04/2025</a:t>
+              <a:t>06/10/2025</a:t>
             </a:fld>
             <a:endParaRPr lang="en-GB"/>
           </a:p>
@@ -2699,7 +2699,7 @@
           <a:p>
             <a:fld id="{2BBFF17A-5300-461F-8E6C-E323B371593A}" type="datetimeFigureOut">
               <a:rPr lang="en-GB" smtClean="0"/>
-              <a:t>02/04/2025</a:t>
+              <a:t>06/10/2025</a:t>
             </a:fld>
             <a:endParaRPr lang="en-GB"/>
           </a:p>
@@ -2942,7 +2942,7 @@
           <a:p>
             <a:fld id="{2BBFF17A-5300-461F-8E6C-E323B371593A}" type="datetimeFigureOut">
               <a:rPr lang="en-GB" smtClean="0"/>
-              <a:t>02/04/2025</a:t>
+              <a:t>06/10/2025</a:t>
             </a:fld>
             <a:endParaRPr lang="en-GB"/>
           </a:p>
@@ -3386,8 +3386,8 @@
         </p:blipFill>
         <p:spPr>
           <a:xfrm>
-            <a:off x="2956217" y="878102"/>
-            <a:ext cx="6384540" cy="4849838"/>
+            <a:off x="2880771" y="1175083"/>
+            <a:ext cx="6384540" cy="4507834"/>
           </a:xfrm>
           <a:prstGeom prst="rect">
             <a:avLst/>
@@ -3410,8 +3410,8 @@
         </p:nvCxnSpPr>
         <p:spPr>
           <a:xfrm flipH="1">
-            <a:off x="3020692" y="4911725"/>
-            <a:ext cx="2624458" cy="1016878"/>
+            <a:off x="3020692" y="4876800"/>
+            <a:ext cx="2578049" cy="1051803"/>
           </a:xfrm>
           <a:prstGeom prst="line">
             <a:avLst/>
@@ -3464,8 +3464,8 @@
         </p:blipFill>
         <p:spPr>
           <a:xfrm>
-            <a:off x="69894" y="3279107"/>
-            <a:ext cx="2935224" cy="1146047"/>
+            <a:off x="26697" y="1053499"/>
+            <a:ext cx="2883602" cy="1146047"/>
           </a:xfrm>
           <a:prstGeom prst="rect">
             <a:avLst/>
@@ -3489,59 +3489,15 @@
         </p:nvCxnSpPr>
         <p:spPr>
           <a:xfrm flipH="1" flipV="1">
-            <a:off x="3005118" y="3852131"/>
-            <a:ext cx="2567007" cy="138844"/>
+            <a:off x="2910299" y="1626523"/>
+            <a:ext cx="2618964" cy="2421602"/>
           </a:xfrm>
           <a:prstGeom prst="line">
             <a:avLst/>
           </a:prstGeom>
           <a:ln w="28575">
             <a:solidFill>
-              <a:srgbClr val="0070C0"/>
-            </a:solidFill>
-          </a:ln>
-        </p:spPr>
-        <p:style>
-          <a:lnRef idx="1">
-            <a:schemeClr val="accent1"/>
-          </a:lnRef>
-          <a:fillRef idx="0">
-            <a:schemeClr val="accent1"/>
-          </a:fillRef>
-          <a:effectRef idx="0">
-            <a:schemeClr val="accent1"/>
-          </a:effectRef>
-          <a:fontRef idx="minor">
-            <a:schemeClr val="tx1"/>
-          </a:fontRef>
-        </p:style>
-      </p:cxnSp>
-      <p:cxnSp>
-        <p:nvCxnSpPr>
-          <p:cNvPr id="29" name="Straight Connector 28">
-            <a:extLst>
-              <a:ext uri="{FF2B5EF4-FFF2-40B4-BE49-F238E27FC236}">
-                <a16:creationId xmlns:a16="http://schemas.microsoft.com/office/drawing/2014/main" id="{D2254EDE-5316-37B2-79BF-804CF4A74E5F}"/>
-              </a:ext>
-            </a:extLst>
-          </p:cNvPr>
-          <p:cNvCxnSpPr>
-            <a:cxnSpLocks/>
-            <a:endCxn id="13" idx="3"/>
-          </p:cNvCxnSpPr>
-          <p:nvPr/>
-        </p:nvCxnSpPr>
-        <p:spPr>
-          <a:xfrm flipH="1" flipV="1">
-            <a:off x="3003336" y="1697848"/>
-            <a:ext cx="1491026" cy="693515"/>
-          </a:xfrm>
-          <a:prstGeom prst="line">
-            <a:avLst/>
-          </a:prstGeom>
-          <a:ln w="28575">
-            <a:solidFill>
-              <a:srgbClr val="0070C0"/>
+              <a:schemeClr val="accent1"/>
             </a:solidFill>
           </a:ln>
         </p:spPr>
@@ -3577,8 +3533,8 @@
         </p:nvCxnSpPr>
         <p:spPr>
           <a:xfrm flipH="1">
-            <a:off x="6215063" y="1650036"/>
-            <a:ext cx="3020720" cy="981245"/>
+            <a:off x="6096000" y="1650035"/>
+            <a:ext cx="3139783" cy="1136083"/>
           </a:xfrm>
           <a:prstGeom prst="line">
             <a:avLst/>
@@ -3621,8 +3577,8 @@
         </p:nvCxnSpPr>
         <p:spPr>
           <a:xfrm flipH="1" flipV="1">
-            <a:off x="6446044" y="2793585"/>
-            <a:ext cx="2775757" cy="1052731"/>
+            <a:off x="6315075" y="2905669"/>
+            <a:ext cx="2906726" cy="940647"/>
           </a:xfrm>
           <a:prstGeom prst="line">
             <a:avLst/>
@@ -3664,8 +3620,8 @@
         </p:nvCxnSpPr>
         <p:spPr>
           <a:xfrm flipH="1" flipV="1">
-            <a:off x="7242175" y="3923736"/>
-            <a:ext cx="2012722" cy="2008857"/>
+            <a:off x="7138988" y="3938934"/>
+            <a:ext cx="2115909" cy="1993659"/>
           </a:xfrm>
           <a:prstGeom prst="line">
             <a:avLst/>
@@ -3706,13 +3662,13 @@
           <p:nvPr>
             <p:extLst>
               <p:ext uri="{D42A27DB-BD31-4B8C-83A1-F6EECF244321}">
-                <p14:modId xmlns:p14="http://schemas.microsoft.com/office/powerpoint/2010/main" val="2314915716"/>
+                <p14:modId xmlns:p14="http://schemas.microsoft.com/office/powerpoint/2010/main" val="1160976397"/>
               </p:ext>
             </p:extLst>
           </p:nvPr>
         </p:nvGraphicFramePr>
         <p:xfrm>
-          <a:off x="3340589" y="5915531"/>
+          <a:off x="3218368" y="5917767"/>
           <a:ext cx="5615795" cy="457200"/>
         </p:xfrm>
         <a:graphic>
@@ -4397,45 +4353,6 @@
       </p:sp>
       <p:sp>
         <p:nvSpPr>
-          <p:cNvPr id="5" name="TextBox 4">
-            <a:extLst>
-              <a:ext uri="{FF2B5EF4-FFF2-40B4-BE49-F238E27FC236}">
-                <a16:creationId xmlns:a16="http://schemas.microsoft.com/office/drawing/2014/main" id="{778E55DF-6FBE-5BF7-69EF-98AACBF4BF24}"/>
-              </a:ext>
-            </a:extLst>
-          </p:cNvPr>
-          <p:cNvSpPr txBox="1"/>
-          <p:nvPr/>
-        </p:nvSpPr>
-        <p:spPr>
-          <a:xfrm>
-            <a:off x="81508" y="2920946"/>
-            <a:ext cx="2916358" cy="261610"/>
-          </a:xfrm>
-          <a:prstGeom prst="rect">
-            <a:avLst/>
-          </a:prstGeom>
-          <a:noFill/>
-        </p:spPr>
-        <p:txBody>
-          <a:bodyPr wrap="square" rtlCol="0">
-            <a:spAutoFit/>
-          </a:bodyPr>
-          <a:lstStyle/>
-          <a:p>
-            <a:pPr algn="ctr"/>
-            <a:r>
-              <a:rPr lang="es-UY" sz="1100" b="1" dirty="0">
-                <a:latin typeface="Arial Nova" panose="020B0504020202020204" pitchFamily="34" charset="0"/>
-                <a:cs typeface="Sora" pitchFamily="2" charset="0"/>
-              </a:rPr>
-              <a:t>Río Yí en Durazno Pte. Ruta 5</a:t>
-            </a:r>
-          </a:p>
-        </p:txBody>
-      </p:sp>
-      <p:sp>
-        <p:nvSpPr>
           <p:cNvPr id="6" name="TextBox 5">
             <a:extLst>
               <a:ext uri="{FF2B5EF4-FFF2-40B4-BE49-F238E27FC236}">
@@ -4474,7 +4391,7 @@
           <a:p>
             <a:r>
               <a:rPr lang="es-UY" dirty="0"/>
-              <a:t>Río Daymán en Pte. Ruta 3</a:t>
+              <a:t>Río Yí en Durazno Pte. Ruta 5</a:t>
             </a:r>
           </a:p>
         </p:txBody>
@@ -4623,8 +4540,8 @@
         </p:blipFill>
         <p:spPr>
           <a:xfrm>
-            <a:off x="9221801" y="3276165"/>
-            <a:ext cx="2935224" cy="1140302"/>
+            <a:off x="9221801" y="3287534"/>
+            <a:ext cx="2935224" cy="1117563"/>
           </a:xfrm>
           <a:prstGeom prst="rect">
             <a:avLst/>
@@ -4658,8 +4575,8 @@
         </p:blipFill>
         <p:spPr>
           <a:xfrm>
-            <a:off x="9235783" y="1077606"/>
-            <a:ext cx="2935224" cy="1144859"/>
+            <a:off x="9235783" y="1106280"/>
+            <a:ext cx="2935224" cy="1087510"/>
           </a:xfrm>
           <a:prstGeom prst="rect">
             <a:avLst/>
@@ -4668,10 +4585,10 @@
       </p:pic>
       <p:pic>
         <p:nvPicPr>
-          <p:cNvPr id="13" name="Picture 12">
-            <a:extLst>
-              <a:ext uri="{FF2B5EF4-FFF2-40B4-BE49-F238E27FC236}">
-                <a16:creationId xmlns:a16="http://schemas.microsoft.com/office/drawing/2014/main" id="{986D54F4-DCE8-2323-DCAD-2C37A844A178}"/>
+          <p:cNvPr id="23" name="Picture 22">
+            <a:extLst>
+              <a:ext uri="{FF2B5EF4-FFF2-40B4-BE49-F238E27FC236}">
+                <a16:creationId xmlns:a16="http://schemas.microsoft.com/office/drawing/2014/main" id="{70365EE7-80E5-7A1A-CCB3-07674D7E71E1}"/>
               </a:ext>
             </a:extLst>
           </p:cNvPr>
@@ -4693,8 +4610,8 @@
         </p:blipFill>
         <p:spPr>
           <a:xfrm>
-            <a:off x="69894" y="1136029"/>
-            <a:ext cx="2933442" cy="1123637"/>
+            <a:off x="9200117" y="5440507"/>
+            <a:ext cx="2901080" cy="1126238"/>
           </a:xfrm>
           <a:prstGeom prst="rect">
             <a:avLst/>
@@ -4703,10 +4620,10 @@
       </p:pic>
       <p:pic>
         <p:nvPicPr>
-          <p:cNvPr id="23" name="Picture 22">
-            <a:extLst>
-              <a:ext uri="{FF2B5EF4-FFF2-40B4-BE49-F238E27FC236}">
-                <a16:creationId xmlns:a16="http://schemas.microsoft.com/office/drawing/2014/main" id="{70365EE7-80E5-7A1A-CCB3-07674D7E71E1}"/>
+          <p:cNvPr id="46" name="Picture 45">
+            <a:extLst>
+              <a:ext uri="{FF2B5EF4-FFF2-40B4-BE49-F238E27FC236}">
+                <a16:creationId xmlns:a16="http://schemas.microsoft.com/office/drawing/2014/main" id="{9C699A48-8BEF-FDEB-CE28-54CF4CCFFEDE}"/>
               </a:ext>
             </a:extLst>
           </p:cNvPr>
@@ -4728,20 +4645,66 @@
         </p:blipFill>
         <p:spPr>
           <a:xfrm>
-            <a:off x="9183045" y="5440507"/>
-            <a:ext cx="2935224" cy="1126238"/>
+            <a:off x="67509" y="5428579"/>
+            <a:ext cx="2801977" cy="1136215"/>
           </a:xfrm>
           <a:prstGeom prst="rect">
             <a:avLst/>
           </a:prstGeom>
         </p:spPr>
       </p:pic>
+      <p:sp>
+        <p:nvSpPr>
+          <p:cNvPr id="27" name="TextBox 26">
+            <a:extLst>
+              <a:ext uri="{FF2B5EF4-FFF2-40B4-BE49-F238E27FC236}">
+                <a16:creationId xmlns:a16="http://schemas.microsoft.com/office/drawing/2014/main" id="{92BB9407-F63A-0005-DC9A-5FB7F669CEB3}"/>
+              </a:ext>
+            </a:extLst>
+          </p:cNvPr>
+          <p:cNvSpPr txBox="1"/>
+          <p:nvPr/>
+        </p:nvSpPr>
+        <p:spPr>
+          <a:xfrm>
+            <a:off x="2976392" y="445380"/>
+            <a:ext cx="6099745" cy="338554"/>
+          </a:xfrm>
+          <a:prstGeom prst="rect">
+            <a:avLst/>
+          </a:prstGeom>
+          <a:noFill/>
+          <a:ln w="28575">
+            <a:noFill/>
+          </a:ln>
+        </p:spPr>
+        <p:txBody>
+          <a:bodyPr wrap="square" rtlCol="0">
+            <a:spAutoFit/>
+          </a:bodyPr>
+          <a:lstStyle/>
+          <a:p>
+            <a:pPr algn="ctr"/>
+            <a:r>
+              <a:rPr lang="es-UY" sz="1600" b="1" noProof="0" dirty="0">
+                <a:latin typeface="Arial Nova" panose="020B0504020202020204" pitchFamily="34" charset="0"/>
+                <a:cs typeface="Sora ExtraBold" pitchFamily="2" charset="0"/>
+              </a:rPr>
+              <a:t>Índice Estandarizado de Caudales (SDI)</a:t>
+            </a:r>
+            <a:endParaRPr lang="en-GB" sz="1600" b="1" dirty="0">
+              <a:latin typeface="Arial Nova" panose="020B0504020202020204" pitchFamily="34" charset="0"/>
+              <a:cs typeface="Sora ExtraBold" pitchFamily="2" charset="0"/>
+            </a:endParaRPr>
+          </a:p>
+        </p:txBody>
+      </p:sp>
       <p:pic>
         <p:nvPicPr>
-          <p:cNvPr id="46" name="Picture 45">
-            <a:extLst>
-              <a:ext uri="{FF2B5EF4-FFF2-40B4-BE49-F238E27FC236}">
-                <a16:creationId xmlns:a16="http://schemas.microsoft.com/office/drawing/2014/main" id="{9C699A48-8BEF-FDEB-CE28-54CF4CCFFEDE}"/>
+          <p:cNvPr id="17" name="Picture 16">
+            <a:extLst>
+              <a:ext uri="{FF2B5EF4-FFF2-40B4-BE49-F238E27FC236}">
+                <a16:creationId xmlns:a16="http://schemas.microsoft.com/office/drawing/2014/main" id="{5AC829E2-5B0F-58E8-A1EA-D05CC4691E10}"/>
               </a:ext>
             </a:extLst>
           </p:cNvPr>
@@ -4763,20 +4726,64 @@
         </p:blipFill>
         <p:spPr>
           <a:xfrm>
-            <a:off x="69894" y="5428579"/>
-            <a:ext cx="2935224" cy="1136215"/>
+            <a:off x="57849" y="3159733"/>
+            <a:ext cx="2802020" cy="1138240"/>
           </a:xfrm>
           <a:prstGeom prst="rect">
             <a:avLst/>
           </a:prstGeom>
         </p:spPr>
       </p:pic>
-      <p:sp>
-        <p:nvSpPr>
-          <p:cNvPr id="27" name="TextBox 26">
-            <a:extLst>
-              <a:ext uri="{FF2B5EF4-FFF2-40B4-BE49-F238E27FC236}">
-                <a16:creationId xmlns:a16="http://schemas.microsoft.com/office/drawing/2014/main" id="{92BB9407-F63A-0005-DC9A-5FB7F669CEB3}"/>
+      <p:cxnSp>
+        <p:nvCxnSpPr>
+          <p:cNvPr id="19" name="Straight Connector 18">
+            <a:extLst>
+              <a:ext uri="{FF2B5EF4-FFF2-40B4-BE49-F238E27FC236}">
+                <a16:creationId xmlns:a16="http://schemas.microsoft.com/office/drawing/2014/main" id="{C44B742E-6F09-EC4A-3A01-EC0C2F589D6C}"/>
+              </a:ext>
+            </a:extLst>
+          </p:cNvPr>
+          <p:cNvCxnSpPr>
+            <a:cxnSpLocks/>
+            <a:endCxn id="17" idx="3"/>
+          </p:cNvCxnSpPr>
+          <p:nvPr/>
+        </p:nvCxnSpPr>
+        <p:spPr>
+          <a:xfrm flipH="1" flipV="1">
+            <a:off x="2859869" y="3728853"/>
+            <a:ext cx="3236131" cy="960269"/>
+          </a:xfrm>
+          <a:prstGeom prst="line">
+            <a:avLst/>
+          </a:prstGeom>
+          <a:ln w="28575">
+            <a:solidFill>
+              <a:srgbClr val="0070C0"/>
+            </a:solidFill>
+          </a:ln>
+        </p:spPr>
+        <p:style>
+          <a:lnRef idx="1">
+            <a:schemeClr val="accent1"/>
+          </a:lnRef>
+          <a:fillRef idx="0">
+            <a:schemeClr val="accent1"/>
+          </a:fillRef>
+          <a:effectRef idx="0">
+            <a:schemeClr val="accent1"/>
+          </a:effectRef>
+          <a:fontRef idx="minor">
+            <a:schemeClr val="tx1"/>
+          </a:fontRef>
+        </p:style>
+      </p:cxnSp>
+      <p:sp>
+        <p:nvSpPr>
+          <p:cNvPr id="21" name="TextBox 20">
+            <a:extLst>
+              <a:ext uri="{FF2B5EF4-FFF2-40B4-BE49-F238E27FC236}">
+                <a16:creationId xmlns:a16="http://schemas.microsoft.com/office/drawing/2014/main" id="{79495529-5168-5376-86A8-07C3E56E91D2}"/>
               </a:ext>
             </a:extLst>
           </p:cNvPr>
@@ -4785,37 +4792,34 @@
         </p:nvSpPr>
         <p:spPr>
           <a:xfrm>
-            <a:off x="3067874" y="385600"/>
-            <a:ext cx="6099745" cy="338554"/>
+            <a:off x="49223" y="2894220"/>
+            <a:ext cx="2874708" cy="261610"/>
           </a:xfrm>
           <a:prstGeom prst="rect">
             <a:avLst/>
           </a:prstGeom>
           <a:noFill/>
-          <a:ln w="28575">
-            <a:solidFill>
-              <a:schemeClr val="tx1"/>
-            </a:solidFill>
-          </a:ln>
         </p:spPr>
         <p:txBody>
           <a:bodyPr wrap="square" rtlCol="0">
             <a:spAutoFit/>
           </a:bodyPr>
-          <a:lstStyle/>
-          <a:p>
-            <a:pPr algn="ctr"/>
-            <a:r>
-              <a:rPr lang="es-UY" sz="1600" b="1" noProof="0" dirty="0">
+          <a:lstStyle>
+            <a:defPPr>
+              <a:defRPr lang="es-UY"/>
+            </a:defPPr>
+            <a:lvl1pPr algn="ctr">
+              <a:defRPr sz="1100" b="1">
                 <a:latin typeface="Arial Nova" panose="020B0504020202020204" pitchFamily="34" charset="0"/>
-                <a:cs typeface="Sora ExtraBold" pitchFamily="2" charset="0"/>
-              </a:rPr>
-              <a:t>Índice Estandarizado de Caudales (SDI)</a:t>
-            </a:r>
-            <a:endParaRPr lang="en-GB" sz="1600" b="1" dirty="0">
-              <a:latin typeface="Arial Nova" panose="020B0504020202020204" pitchFamily="34" charset="0"/>
-              <a:cs typeface="Sora ExtraBold" pitchFamily="2" charset="0"/>
-            </a:endParaRPr>
+                <a:cs typeface="Sora" pitchFamily="2" charset="0"/>
+              </a:defRPr>
+            </a:lvl1pPr>
+          </a:lstStyle>
+          <a:p>
+            <a:r>
+              <a:rPr lang="es-UY" dirty="0"/>
+              <a:t>Río Santa Lucía en Fray Marcos</a:t>
+            </a:r>
           </a:p>
         </p:txBody>
       </p:sp>
